--- a/server/beginner/presentations/3_data_modeling_with_couchbase.pptx
+++ b/server/beginner/presentations/3_data_modeling_with_couchbase.pptx
@@ -242,7 +242,7 @@
             <a:fld id="{E8A52A5E-60F8-422F-8F3A-58CC654305E5}" type="datetimeFigureOut">
               <a:rPr lang="en-US" smtClean="0"/>
               <a:pPr/>
-              <a:t>25/09/14</a:t>
+              <a:t>15/10/14</a:t>
             </a:fld>
             <a:endParaRPr lang="en-US"/>
           </a:p>
@@ -409,7 +409,7 @@
             <a:fld id="{A096260C-9094-47BB-B392-6500189DA135}" type="datetimeFigureOut">
               <a:rPr lang="en-US" smtClean="0"/>
               <a:pPr/>
-              <a:t>25/09/14</a:t>
+              <a:t>15/10/14</a:t>
             </a:fld>
             <a:endParaRPr lang="en-US"/>
           </a:p>
@@ -5920,7 +5920,7 @@
                 <a:spcPts val="1266"/>
               </a:lnSpc>
             </a:pPr>
-            <a:endParaRPr lang="en-US" sz="1300" b="1">
+            <a:endParaRPr lang="en-US" sz="1300" b="1" dirty="0">
               <a:latin typeface="Courier" charset="0"/>
               <a:cs typeface="Courier" charset="0"/>
               <a:sym typeface="Courier" charset="0"/>
@@ -5933,7 +5933,7 @@
               </a:lnSpc>
             </a:pPr>
             <a:r>
-              <a:rPr lang="en-US" sz="1300" b="1">
+              <a:rPr lang="en-US" sz="1300" b="1" dirty="0">
                 <a:latin typeface="Courier" charset="0"/>
                 <a:cs typeface="Courier" charset="0"/>
                 <a:sym typeface="Courier" charset="0"/>
@@ -5947,7 +5947,7 @@
                 <a:spcPts val="1266"/>
               </a:lnSpc>
             </a:pPr>
-            <a:endParaRPr lang="en-US" sz="1300" b="1">
+            <a:endParaRPr lang="en-US" sz="1300" b="1" dirty="0">
               <a:latin typeface="Courier" charset="0"/>
               <a:cs typeface="Courier" charset="0"/>
               <a:sym typeface="Courier" charset="0"/>
@@ -5960,7 +5960,7 @@
               </a:lnSpc>
             </a:pPr>
             <a:r>
-              <a:rPr lang="en-US" sz="1300" b="1">
+              <a:rPr lang="en-US" sz="1300" b="1" dirty="0">
                 <a:latin typeface="Courier" charset="0"/>
                 <a:cs typeface="Courier" charset="0"/>
                 <a:sym typeface="Courier" charset="0"/>
@@ -5975,7 +5975,7 @@
               </a:lnSpc>
             </a:pPr>
             <a:r>
-              <a:rPr lang="en-US" sz="1300" b="1">
+              <a:rPr lang="en-US" sz="1300" b="1" dirty="0">
                 <a:latin typeface="Courier" charset="0"/>
                 <a:cs typeface="Courier" charset="0"/>
                 <a:sym typeface="Courier" charset="0"/>
@@ -5990,7 +5990,7 @@
               </a:lnSpc>
             </a:pPr>
             <a:r>
-              <a:rPr lang="en-US" sz="1300" b="1">
+              <a:rPr lang="en-US" sz="1300" b="1" dirty="0">
                 <a:latin typeface="Courier" charset="0"/>
                 <a:cs typeface="Courier" charset="0"/>
                 <a:sym typeface="Courier" charset="0"/>
@@ -6005,12 +6005,28 @@
               </a:lnSpc>
             </a:pPr>
             <a:r>
-              <a:rPr lang="en-US" sz="1300" b="1">
+              <a:rPr lang="en-US" sz="1300" b="1" dirty="0">
                 <a:latin typeface="Courier" charset="0"/>
                 <a:cs typeface="Courier" charset="0"/>
                 <a:sym typeface="Courier" charset="0"/>
               </a:rPr>
-              <a:t>private Boolean gender_male;</a:t>
+              <a:t>private Boolean </a:t>
+            </a:r>
+            <a:r>
+              <a:rPr lang="en-US" sz="1300" b="1" dirty="0" err="1">
+                <a:latin typeface="Courier" charset="0"/>
+                <a:cs typeface="Courier" charset="0"/>
+                <a:sym typeface="Courier" charset="0"/>
+              </a:rPr>
+              <a:t>gender_male</a:t>
+            </a:r>
+            <a:r>
+              <a:rPr lang="en-US" sz="1300" b="1" dirty="0">
+                <a:latin typeface="Courier" charset="0"/>
+                <a:cs typeface="Courier" charset="0"/>
+                <a:sym typeface="Courier" charset="0"/>
+              </a:rPr>
+              <a:t>;</a:t>
             </a:r>
           </a:p>
           <a:p>
@@ -6020,12 +6036,44 @@
               </a:lnSpc>
             </a:pPr>
             <a:r>
-              <a:rPr lang="en-US" sz="1300" b="1">
+              <a:rPr lang="en-US" sz="1300" b="1" dirty="0">
                 <a:latin typeface="Courier" charset="0"/>
                 <a:cs typeface="Courier" charset="0"/>
                 <a:sym typeface="Courier" charset="0"/>
               </a:rPr>
-              <a:t>private DateTime created_at;</a:t>
+              <a:t>private </a:t>
+            </a:r>
+            <a:r>
+              <a:rPr lang="en-US" sz="1300" b="1" dirty="0" err="1">
+                <a:latin typeface="Courier" charset="0"/>
+                <a:cs typeface="Courier" charset="0"/>
+                <a:sym typeface="Courier" charset="0"/>
+              </a:rPr>
+              <a:t>DateTime</a:t>
+            </a:r>
+            <a:r>
+              <a:rPr lang="en-US" sz="1300" b="1" dirty="0">
+                <a:latin typeface="Courier" charset="0"/>
+                <a:cs typeface="Courier" charset="0"/>
+                <a:sym typeface="Courier" charset="0"/>
+              </a:rPr>
+              <a:t> </a:t>
+            </a:r>
+            <a:r>
+              <a:rPr lang="en-US" sz="1300" b="1" dirty="0" err="1">
+                <a:latin typeface="Courier" charset="0"/>
+                <a:cs typeface="Courier" charset="0"/>
+                <a:sym typeface="Courier" charset="0"/>
+              </a:rPr>
+              <a:t>created_at</a:t>
+            </a:r>
+            <a:r>
+              <a:rPr lang="en-US" sz="1300" b="1" dirty="0">
+                <a:latin typeface="Courier" charset="0"/>
+                <a:cs typeface="Courier" charset="0"/>
+                <a:sym typeface="Courier" charset="0"/>
+              </a:rPr>
+              <a:t>;</a:t>
             </a:r>
           </a:p>
           <a:p>
@@ -6035,7 +6083,7 @@
               </a:lnSpc>
             </a:pPr>
             <a:r>
-              <a:rPr lang="en-US" sz="1300" b="1">
+              <a:rPr lang="en-US" sz="1300" b="1" dirty="0">
                 <a:solidFill>
                   <a:srgbClr val="E32400"/>
                 </a:solidFill>
@@ -6043,7 +6091,51 @@
                 <a:cs typeface="Courier" charset="0"/>
                 <a:sym typeface="Courier" charset="0"/>
               </a:rPr>
-              <a:t>private ArrayList items_viewed;</a:t>
+              <a:t>private </a:t>
+            </a:r>
+            <a:r>
+              <a:rPr lang="en-US" sz="1300" b="1" dirty="0" err="1">
+                <a:solidFill>
+                  <a:srgbClr val="E32400"/>
+                </a:solidFill>
+                <a:latin typeface="Courier" charset="0"/>
+                <a:cs typeface="Courier" charset="0"/>
+                <a:sym typeface="Courier" charset="0"/>
+              </a:rPr>
+              <a:t>ArrayList</a:t>
+            </a:r>
+            <a:r>
+              <a:rPr lang="en-US" sz="1300" b="1" dirty="0">
+                <a:solidFill>
+                  <a:srgbClr val="E32400"/>
+                </a:solidFill>
+                <a:latin typeface="Courier" charset="0"/>
+                <a:cs typeface="Courier" charset="0"/>
+                <a:sym typeface="Courier" charset="0"/>
+              </a:rPr>
+              <a:t> </a:t>
+            </a:r>
+            <a:r>
+              <a:rPr lang="en-US" sz="1300" b="1" dirty="0" err="1">
+                <a:solidFill>
+                  <a:srgbClr val="E32400"/>
+                </a:solidFill>
+                <a:latin typeface="Courier" charset="0"/>
+                <a:cs typeface="Courier" charset="0"/>
+                <a:sym typeface="Courier" charset="0"/>
+              </a:rPr>
+              <a:t>items_viewed</a:t>
+            </a:r>
+            <a:r>
+              <a:rPr lang="en-US" sz="1300" b="1" dirty="0">
+                <a:solidFill>
+                  <a:srgbClr val="E32400"/>
+                </a:solidFill>
+                <a:latin typeface="Courier" charset="0"/>
+                <a:cs typeface="Courier" charset="0"/>
+                <a:sym typeface="Courier" charset="0"/>
+              </a:rPr>
+              <a:t>;</a:t>
             </a:r>
           </a:p>
           <a:p>
@@ -6053,7 +6145,7 @@
               </a:lnSpc>
             </a:pPr>
             <a:r>
-              <a:rPr lang="en-US" sz="1300" b="1">
+              <a:rPr lang="en-US" sz="1300" b="1" dirty="0">
                 <a:solidFill>
                   <a:srgbClr val="E32400"/>
                 </a:solidFill>
@@ -6061,7 +6153,29 @@
                 <a:cs typeface="Courier" charset="0"/>
                 <a:sym typeface="Courier" charset="0"/>
               </a:rPr>
-              <a:t>private Hashtable preferences;</a:t>
+              <a:t>private </a:t>
+            </a:r>
+            <a:r>
+              <a:rPr lang="en-US" sz="1300" b="1" dirty="0" err="1">
+                <a:solidFill>
+                  <a:srgbClr val="E32400"/>
+                </a:solidFill>
+                <a:latin typeface="Courier" charset="0"/>
+                <a:cs typeface="Courier" charset="0"/>
+                <a:sym typeface="Courier" charset="0"/>
+              </a:rPr>
+              <a:t>Hashtable</a:t>
+            </a:r>
+            <a:r>
+              <a:rPr lang="en-US" sz="1300" b="1" dirty="0">
+                <a:solidFill>
+                  <a:srgbClr val="E32400"/>
+                </a:solidFill>
+                <a:latin typeface="Courier" charset="0"/>
+                <a:cs typeface="Courier" charset="0"/>
+                <a:sym typeface="Courier" charset="0"/>
+              </a:rPr>
+              <a:t> preferences;</a:t>
             </a:r>
           </a:p>
           <a:p>
@@ -6071,7 +6185,7 @@
               </a:lnSpc>
             </a:pPr>
             <a:r>
-              <a:rPr lang="en-US" sz="1300" b="1">
+              <a:rPr lang="en-US" sz="1300" b="1" dirty="0">
                 <a:solidFill>
                   <a:srgbClr val="E32400"/>
                 </a:solidFill>
@@ -6079,7 +6193,29 @@
                 <a:cs typeface="Courier" charset="0"/>
                 <a:sym typeface="Courier" charset="0"/>
               </a:rPr>
-              <a:t>private ArrayList&lt;Books&gt; authored;</a:t>
+              <a:t>private </a:t>
+            </a:r>
+            <a:r>
+              <a:rPr lang="en-US" sz="1300" b="1" dirty="0" err="1">
+                <a:solidFill>
+                  <a:srgbClr val="E32400"/>
+                </a:solidFill>
+                <a:latin typeface="Courier" charset="0"/>
+                <a:cs typeface="Courier" charset="0"/>
+                <a:sym typeface="Courier" charset="0"/>
+              </a:rPr>
+              <a:t>ArrayList</a:t>
+            </a:r>
+            <a:r>
+              <a:rPr lang="en-US" sz="1300" b="1" dirty="0">
+                <a:solidFill>
+                  <a:srgbClr val="E32400"/>
+                </a:solidFill>
+                <a:latin typeface="Courier" charset="0"/>
+                <a:cs typeface="Courier" charset="0"/>
+                <a:sym typeface="Courier" charset="0"/>
+              </a:rPr>
+              <a:t>&lt;Books&gt; authored;</a:t>
             </a:r>
           </a:p>
           <a:p>
@@ -6088,7 +6224,7 @@
                 <a:spcPts val="1266"/>
               </a:lnSpc>
             </a:pPr>
-            <a:endParaRPr lang="en-US" sz="1300" b="1">
+            <a:endParaRPr lang="en-US" sz="1300" b="1" dirty="0">
               <a:latin typeface="Courier" charset="0"/>
               <a:cs typeface="Courier" charset="0"/>
               <a:sym typeface="Courier" charset="0"/>
@@ -6101,7 +6237,7 @@
               </a:lnSpc>
             </a:pPr>
             <a:r>
-              <a:rPr lang="en-US" sz="1300" b="1">
+              <a:rPr lang="en-US" sz="1300" b="1" dirty="0">
                 <a:latin typeface="Courier" charset="0"/>
                 <a:cs typeface="Courier" charset="0"/>
                 <a:sym typeface="Courier" charset="0"/>
@@ -6116,7 +6252,7 @@
               </a:lnSpc>
             </a:pPr>
             <a:r>
-              <a:rPr lang="en-US" sz="1300" b="1">
+              <a:rPr lang="en-US" sz="1300" b="1" dirty="0">
                 <a:latin typeface="Courier" charset="0"/>
                 <a:cs typeface="Courier" charset="0"/>
                 <a:sym typeface="Courier" charset="0"/>
@@ -6131,7 +6267,7 @@
               </a:lnSpc>
             </a:pPr>
             <a:r>
-              <a:rPr lang="en-US" sz="1300" b="1">
+              <a:rPr lang="en-US" sz="1300" b="1" dirty="0">
                 <a:latin typeface="Courier" charset="0"/>
                 <a:cs typeface="Courier" charset="0"/>
                 <a:sym typeface="Courier" charset="0"/>
@@ -6145,7 +6281,7 @@
                 <a:spcPts val="1266"/>
               </a:lnSpc>
             </a:pPr>
-            <a:endParaRPr lang="en-US" sz="1300" b="1">
+            <a:endParaRPr lang="en-US" sz="1300" b="1" dirty="0">
               <a:latin typeface="Courier" charset="0"/>
               <a:cs typeface="Courier" charset="0"/>
               <a:sym typeface="Courier" charset="0"/>
@@ -6158,7 +6294,7 @@
               </a:lnSpc>
             </a:pPr>
             <a:r>
-              <a:rPr lang="en-US" sz="1300" b="1">
+              <a:rPr lang="en-US" sz="1300" b="1" dirty="0">
                 <a:latin typeface="Courier" charset="0"/>
                 <a:cs typeface="Courier" charset="0"/>
                 <a:sym typeface="Courier" charset="0"/>
@@ -6173,14 +6309,14 @@
               </a:lnSpc>
             </a:pPr>
             <a:r>
-              <a:rPr lang="en-US" sz="1300" b="1">
+              <a:rPr lang="en-US" sz="1300" b="1" dirty="0">
                 <a:latin typeface="Courier" charset="0"/>
                 <a:cs typeface="Courier" charset="0"/>
                 <a:sym typeface="Courier" charset="0"/>
               </a:rPr>
               <a:t>}</a:t>
             </a:r>
-            <a:endParaRPr lang="en-US"/>
+            <a:endParaRPr lang="en-US" dirty="0"/>
           </a:p>
         </p:txBody>
       </p:sp>
@@ -6695,7 +6831,7 @@
                 <a:spcPts val="1266"/>
               </a:lnSpc>
             </a:pPr>
-            <a:endParaRPr lang="en-US" sz="1300" b="1">
+            <a:endParaRPr lang="en-US" sz="1300" b="1" dirty="0">
               <a:latin typeface="Courier" charset="0"/>
               <a:cs typeface="Courier" charset="0"/>
               <a:sym typeface="Courier" charset="0"/>
@@ -6708,7 +6844,7 @@
               </a:lnSpc>
             </a:pPr>
             <a:r>
-              <a:rPr lang="en-US" sz="1300" b="1">
+              <a:rPr lang="en-US" sz="1300" b="1" dirty="0">
                 <a:latin typeface="Courier" charset="0"/>
                 <a:cs typeface="Courier" charset="0"/>
                 <a:sym typeface="Courier" charset="0"/>
@@ -6723,12 +6859,28 @@
               </a:lnSpc>
             </a:pPr>
             <a:r>
-              <a:rPr lang="en-US" sz="1300" b="1">
+              <a:rPr lang="en-US" sz="1300" b="1" dirty="0">
                 <a:latin typeface="Courier" charset="0"/>
                 <a:cs typeface="Courier" charset="0"/>
                 <a:sym typeface="Courier" charset="0"/>
               </a:rPr>
-              <a:t>"doctype": "User",</a:t>
+              <a:t>"</a:t>
+            </a:r>
+            <a:r>
+              <a:rPr lang="en-US" sz="1300" b="1" dirty="0" err="1">
+                <a:latin typeface="Courier" charset="0"/>
+                <a:cs typeface="Courier" charset="0"/>
+                <a:sym typeface="Courier" charset="0"/>
+              </a:rPr>
+              <a:t>doctype</a:t>
+            </a:r>
+            <a:r>
+              <a:rPr lang="en-US" sz="1300" b="1" dirty="0">
+                <a:latin typeface="Courier" charset="0"/>
+                <a:cs typeface="Courier" charset="0"/>
+                <a:sym typeface="Courier" charset="0"/>
+              </a:rPr>
+              <a:t>": "User",</a:t>
             </a:r>
           </a:p>
           <a:p>
@@ -6738,12 +6890,44 @@
               </a:lnSpc>
             </a:pPr>
             <a:r>
-              <a:rPr lang="en-US" sz="1300" b="1">
+              <a:rPr lang="en-US" sz="1300" b="1" dirty="0">
                 <a:latin typeface="Courier" charset="0"/>
                 <a:cs typeface="Courier" charset="0"/>
                 <a:sym typeface="Courier" charset="0"/>
               </a:rPr>
-              <a:t>"name": "Jasdeep Jaitla",</a:t>
+              <a:t>"name": "</a:t>
+            </a:r>
+            <a:r>
+              <a:rPr lang="en-US" sz="1300" b="1" dirty="0" err="1">
+                <a:latin typeface="Courier" charset="0"/>
+                <a:cs typeface="Courier" charset="0"/>
+                <a:sym typeface="Courier" charset="0"/>
+              </a:rPr>
+              <a:t>Jasdeep</a:t>
+            </a:r>
+            <a:r>
+              <a:rPr lang="en-US" sz="1300" b="1" dirty="0">
+                <a:latin typeface="Courier" charset="0"/>
+                <a:cs typeface="Courier" charset="0"/>
+                <a:sym typeface="Courier" charset="0"/>
+              </a:rPr>
+              <a:t> </a:t>
+            </a:r>
+            <a:r>
+              <a:rPr lang="en-US" sz="1300" b="1" dirty="0" err="1">
+                <a:latin typeface="Courier" charset="0"/>
+                <a:cs typeface="Courier" charset="0"/>
+                <a:sym typeface="Courier" charset="0"/>
+              </a:rPr>
+              <a:t>Jaitla</a:t>
+            </a:r>
+            <a:r>
+              <a:rPr lang="en-US" sz="1300" b="1" dirty="0">
+                <a:latin typeface="Courier" charset="0"/>
+                <a:cs typeface="Courier" charset="0"/>
+                <a:sym typeface="Courier" charset="0"/>
+              </a:rPr>
+              <a:t>",</a:t>
             </a:r>
           </a:p>
           <a:p>
@@ -6753,12 +6937,28 @@
               </a:lnSpc>
             </a:pPr>
             <a:r>
-              <a:rPr lang="en-US" sz="1300" b="1">
+              <a:rPr lang="en-US" sz="1300" b="1" dirty="0">
                 <a:latin typeface="Courier" charset="0"/>
                 <a:cs typeface="Courier" charset="0"/>
                 <a:sym typeface="Courier" charset="0"/>
               </a:rPr>
-              <a:t>"email": "jasdeep@couchbase.com",</a:t>
+              <a:t>"email": "</a:t>
+            </a:r>
+            <a:r>
+              <a:rPr lang="en-US" sz="1300" b="1" dirty="0" err="1">
+                <a:latin typeface="Courier" charset="0"/>
+                <a:cs typeface="Courier" charset="0"/>
+                <a:sym typeface="Courier" charset="0"/>
+              </a:rPr>
+              <a:t>jasdeep@couchbase.com</a:t>
+            </a:r>
+            <a:r>
+              <a:rPr lang="en-US" sz="1300" b="1" dirty="0">
+                <a:latin typeface="Courier" charset="0"/>
+                <a:cs typeface="Courier" charset="0"/>
+                <a:sym typeface="Courier" charset="0"/>
+              </a:rPr>
+              <a:t>",</a:t>
             </a:r>
           </a:p>
           <a:p>
@@ -6768,7 +6968,7 @@
               </a:lnSpc>
             </a:pPr>
             <a:r>
-              <a:rPr lang="en-US" sz="1300" b="1">
+              <a:rPr lang="en-US" sz="1300" b="1" dirty="0">
                 <a:latin typeface="Courier" charset="0"/>
                 <a:cs typeface="Courier" charset="0"/>
                 <a:sym typeface="Courier" charset="0"/>
@@ -6783,12 +6983,28 @@
               </a:lnSpc>
             </a:pPr>
             <a:r>
-              <a:rPr lang="en-US" sz="1300" b="1">
+              <a:rPr lang="en-US" sz="1300" b="1" dirty="0">
                 <a:latin typeface="Courier" charset="0"/>
                 <a:cs typeface="Courier" charset="0"/>
                 <a:sym typeface="Courier" charset="0"/>
               </a:rPr>
-              <a:t>"gender_male": true,</a:t>
+              <a:t>"</a:t>
+            </a:r>
+            <a:r>
+              <a:rPr lang="en-US" sz="1300" b="1" dirty="0" err="1">
+                <a:latin typeface="Courier" charset="0"/>
+                <a:cs typeface="Courier" charset="0"/>
+                <a:sym typeface="Courier" charset="0"/>
+              </a:rPr>
+              <a:t>gender_male</a:t>
+            </a:r>
+            <a:r>
+              <a:rPr lang="en-US" sz="1300" b="1" dirty="0">
+                <a:latin typeface="Courier" charset="0"/>
+                <a:cs typeface="Courier" charset="0"/>
+                <a:sym typeface="Courier" charset="0"/>
+              </a:rPr>
+              <a:t>": true,</a:t>
             </a:r>
           </a:p>
           <a:p>
@@ -6798,12 +7014,28 @@
               </a:lnSpc>
             </a:pPr>
             <a:r>
-              <a:rPr lang="en-US" sz="1300" b="1">
+              <a:rPr lang="en-US" sz="1300" b="1" dirty="0">
                 <a:latin typeface="Courier" charset="0"/>
                 <a:cs typeface="Courier" charset="0"/>
                 <a:sym typeface="Courier" charset="0"/>
               </a:rPr>
-              <a:t>"created_at": "2013-09-20 23:59:59",</a:t>
+              <a:t>"</a:t>
+            </a:r>
+            <a:r>
+              <a:rPr lang="en-US" sz="1300" b="1" dirty="0" err="1">
+                <a:latin typeface="Courier" charset="0"/>
+                <a:cs typeface="Courier" charset="0"/>
+                <a:sym typeface="Courier" charset="0"/>
+              </a:rPr>
+              <a:t>created_at</a:t>
+            </a:r>
+            <a:r>
+              <a:rPr lang="en-US" sz="1300" b="1" dirty="0">
+                <a:latin typeface="Courier" charset="0"/>
+                <a:cs typeface="Courier" charset="0"/>
+                <a:sym typeface="Courier" charset="0"/>
+              </a:rPr>
+              <a:t>": "2013-09-20 23:59:59",</a:t>
             </a:r>
           </a:p>
           <a:p>
@@ -6813,7 +7045,7 @@
               </a:lnSpc>
             </a:pPr>
             <a:r>
-              <a:rPr lang="en-US" sz="1300" b="1">
+              <a:rPr lang="en-US" sz="1300" b="1" dirty="0">
                 <a:solidFill>
                   <a:srgbClr val="40A55B"/>
                 </a:solidFill>
@@ -6821,7 +7053,29 @@
                 <a:cs typeface="Courier" charset="0"/>
                 <a:sym typeface="Courier" charset="0"/>
               </a:rPr>
-              <a:t>"items_viewed": [</a:t>
+              <a:t>"</a:t>
+            </a:r>
+            <a:r>
+              <a:rPr lang="en-US" sz="1300" b="1" dirty="0" err="1">
+                <a:solidFill>
+                  <a:srgbClr val="40A55B"/>
+                </a:solidFill>
+                <a:latin typeface="Courier" charset="0"/>
+                <a:cs typeface="Courier" charset="0"/>
+                <a:sym typeface="Courier" charset="0"/>
+              </a:rPr>
+              <a:t>items_viewed</a:t>
+            </a:r>
+            <a:r>
+              <a:rPr lang="en-US" sz="1300" b="1" dirty="0">
+                <a:solidFill>
+                  <a:srgbClr val="40A55B"/>
+                </a:solidFill>
+                <a:latin typeface="Courier" charset="0"/>
+                <a:cs typeface="Courier" charset="0"/>
+                <a:sym typeface="Courier" charset="0"/>
+              </a:rPr>
+              <a:t>": [</a:t>
             </a:r>
           </a:p>
           <a:p>
@@ -6831,7 +7085,7 @@
               </a:lnSpc>
             </a:pPr>
             <a:r>
-              <a:rPr lang="en-US" sz="1300" b="1">
+              <a:rPr lang="en-US" sz="1300" b="1" dirty="0">
                 <a:solidFill>
                   <a:srgbClr val="40A55B"/>
                 </a:solidFill>
@@ -6849,7 +7103,7 @@
               </a:lnSpc>
             </a:pPr>
             <a:r>
-              <a:rPr lang="en-US" sz="1300" b="1">
+              <a:rPr lang="en-US" sz="1300" b="1" dirty="0">
                 <a:solidFill>
                   <a:srgbClr val="40A55B"/>
                 </a:solidFill>
@@ -6867,7 +7121,7 @@
               </a:lnSpc>
             </a:pPr>
             <a:r>
-              <a:rPr lang="en-US" sz="1300" b="1">
+              <a:rPr lang="en-US" sz="1300" b="1" dirty="0">
                 <a:solidFill>
                   <a:srgbClr val="40A55B"/>
                 </a:solidFill>
@@ -6885,7 +7139,7 @@
               </a:lnSpc>
             </a:pPr>
             <a:r>
-              <a:rPr lang="en-US" sz="1300" b="1">
+              <a:rPr lang="en-US" sz="1300" b="1" dirty="0">
                 <a:solidFill>
                   <a:srgbClr val="40A55B"/>
                 </a:solidFill>
@@ -6893,7 +7147,29 @@
                 <a:cs typeface="Courier" charset="0"/>
                 <a:sym typeface="Courier" charset="0"/>
               </a:rPr>
-              <a:t>"email_notifications": true,</a:t>
+              <a:t>"</a:t>
+            </a:r>
+            <a:r>
+              <a:rPr lang="en-US" sz="1300" b="1" dirty="0" err="1">
+                <a:solidFill>
+                  <a:srgbClr val="40A55B"/>
+                </a:solidFill>
+                <a:latin typeface="Courier" charset="0"/>
+                <a:cs typeface="Courier" charset="0"/>
+                <a:sym typeface="Courier" charset="0"/>
+              </a:rPr>
+              <a:t>email_notifications</a:t>
+            </a:r>
+            <a:r>
+              <a:rPr lang="en-US" sz="1300" b="1" dirty="0">
+                <a:solidFill>
+                  <a:srgbClr val="40A55B"/>
+                </a:solidFill>
+                <a:latin typeface="Courier" charset="0"/>
+                <a:cs typeface="Courier" charset="0"/>
+                <a:sym typeface="Courier" charset="0"/>
+              </a:rPr>
+              <a:t>": true,</a:t>
             </a:r>
           </a:p>
           <a:p>
@@ -6903,7 +7179,7 @@
               </a:lnSpc>
             </a:pPr>
             <a:r>
-              <a:rPr lang="en-US" sz="1300" b="1">
+              <a:rPr lang="en-US" sz="1300" b="1" dirty="0">
                 <a:solidFill>
                   <a:srgbClr val="40A55B"/>
                 </a:solidFill>
@@ -6911,7 +7187,29 @@
                 <a:cs typeface="Courier" charset="0"/>
                 <a:sym typeface="Courier" charset="0"/>
               </a:rPr>
-              <a:t>"sms_notifications": false</a:t>
+              <a:t>"</a:t>
+            </a:r>
+            <a:r>
+              <a:rPr lang="en-US" sz="1300" b="1" dirty="0" err="1">
+                <a:solidFill>
+                  <a:srgbClr val="40A55B"/>
+                </a:solidFill>
+                <a:latin typeface="Courier" charset="0"/>
+                <a:cs typeface="Courier" charset="0"/>
+                <a:sym typeface="Courier" charset="0"/>
+              </a:rPr>
+              <a:t>sms_notifications</a:t>
+            </a:r>
+            <a:r>
+              <a:rPr lang="en-US" sz="1300" b="1" dirty="0">
+                <a:solidFill>
+                  <a:srgbClr val="40A55B"/>
+                </a:solidFill>
+                <a:latin typeface="Courier" charset="0"/>
+                <a:cs typeface="Courier" charset="0"/>
+                <a:sym typeface="Courier" charset="0"/>
+              </a:rPr>
+              <a:t>": false</a:t>
             </a:r>
           </a:p>
           <a:p>
@@ -6921,7 +7219,7 @@
               </a:lnSpc>
             </a:pPr>
             <a:r>
-              <a:rPr lang="en-US" sz="1300" b="1">
+              <a:rPr lang="en-US" sz="1300" b="1" dirty="0">
                 <a:solidFill>
                   <a:srgbClr val="40A55B"/>
                 </a:solidFill>
@@ -6939,7 +7237,7 @@
               </a:lnSpc>
             </a:pPr>
             <a:r>
-              <a:rPr lang="en-US" sz="1300" b="1">
+              <a:rPr lang="en-US" sz="1300" b="1" dirty="0">
                 <a:solidFill>
                   <a:srgbClr val="40A55B"/>
                 </a:solidFill>
@@ -6957,7 +7255,7 @@
               </a:lnSpc>
             </a:pPr>
             <a:r>
-              <a:rPr lang="en-US" sz="1300" b="1">
+              <a:rPr lang="en-US" sz="1300" b="1" dirty="0">
                 <a:solidFill>
                   <a:srgbClr val="40A55B"/>
                 </a:solidFill>
@@ -6975,7 +7273,7 @@
               </a:lnSpc>
             </a:pPr>
             <a:r>
-              <a:rPr lang="en-US" sz="1300" b="1">
+              <a:rPr lang="en-US" sz="1300" b="1" dirty="0">
                 <a:solidFill>
                   <a:srgbClr val="40A55B"/>
                 </a:solidFill>
@@ -6993,7 +7291,7 @@
               </a:lnSpc>
             </a:pPr>
             <a:r>
-              <a:rPr lang="en-US" sz="1300" b="1">
+              <a:rPr lang="en-US" sz="1300" b="1" dirty="0">
                 <a:solidFill>
                   <a:srgbClr val="40A55B"/>
                 </a:solidFill>
@@ -7011,14 +7309,14 @@
               </a:lnSpc>
             </a:pPr>
             <a:r>
-              <a:rPr lang="en-US" sz="1300" b="1">
+              <a:rPr lang="en-US" sz="1300" b="1" dirty="0">
                 <a:latin typeface="Courier" charset="0"/>
                 <a:cs typeface="Courier" charset="0"/>
                 <a:sym typeface="Courier" charset="0"/>
               </a:rPr>
               <a:t>}</a:t>
             </a:r>
-            <a:endParaRPr lang="en-US"/>
+            <a:endParaRPr lang="en-US" dirty="0"/>
           </a:p>
         </p:txBody>
       </p:sp>
@@ -15355,7 +15653,7 @@
         </p:blipFill>
         <p:spPr bwMode="auto">
           <a:xfrm>
-            <a:off x="756791" y="1939975"/>
+            <a:off x="756791" y="1950558"/>
             <a:ext cx="1154162" cy="1155279"/>
           </a:xfrm>
           <a:prstGeom prst="rect">
@@ -15409,7 +15707,7 @@
         </p:nvSpPr>
         <p:spPr bwMode="auto">
           <a:xfrm>
-            <a:off x="812602" y="3170039"/>
+            <a:off x="812602" y="3180622"/>
             <a:ext cx="1048122" cy="312539"/>
           </a:xfrm>
           <a:custGeom>
@@ -15529,7 +15827,7 @@
         </p:nvGrpSpPr>
         <p:grpSpPr bwMode="auto">
           <a:xfrm>
-            <a:off x="7221885" y="1939975"/>
+            <a:off x="7221885" y="1950558"/>
             <a:ext cx="1154162" cy="1155279"/>
             <a:chOff x="0" y="0"/>
             <a:chExt cx="1642735" cy="1642735"/>
@@ -15680,7 +15978,7 @@
         </p:nvGrpSpPr>
         <p:grpSpPr bwMode="auto">
           <a:xfrm>
-            <a:off x="2232422" y="1866305"/>
+            <a:off x="2232422" y="1876888"/>
             <a:ext cx="4492749" cy="569268"/>
             <a:chOff x="0" y="0"/>
             <a:chExt cx="6391271" cy="809106"/>
@@ -15970,7 +16268,7 @@
         </p:nvGrpSpPr>
         <p:grpSpPr bwMode="auto">
           <a:xfrm>
-            <a:off x="2232422" y="2598539"/>
+            <a:off x="2232422" y="2609122"/>
             <a:ext cx="4497214" cy="568152"/>
             <a:chOff x="0" y="0"/>
             <a:chExt cx="6397106" cy="809106"/>
@@ -16284,7 +16582,7 @@
         </p:blipFill>
         <p:spPr bwMode="auto">
           <a:xfrm>
-            <a:off x="759024" y="4438055"/>
+            <a:off x="759024" y="4448638"/>
             <a:ext cx="1154162" cy="1154162"/>
           </a:xfrm>
           <a:prstGeom prst="rect">
@@ -16338,7 +16636,7 @@
         </p:nvSpPr>
         <p:spPr bwMode="auto">
           <a:xfrm>
-            <a:off x="812602" y="5670352"/>
+            <a:off x="812602" y="5680935"/>
             <a:ext cx="1048122" cy="312539"/>
           </a:xfrm>
           <a:custGeom>
@@ -16458,7 +16756,7 @@
         </p:nvGrpSpPr>
         <p:grpSpPr bwMode="auto">
           <a:xfrm>
-            <a:off x="7224118" y="4438055"/>
+            <a:off x="7224118" y="4448638"/>
             <a:ext cx="1154162" cy="1154162"/>
             <a:chOff x="0" y="0"/>
             <a:chExt cx="1642735" cy="1642735"/>
@@ -16609,7 +16907,7 @@
         </p:nvGrpSpPr>
         <p:grpSpPr bwMode="auto">
           <a:xfrm>
-            <a:off x="2232422" y="4366617"/>
+            <a:off x="2232422" y="4377200"/>
             <a:ext cx="4497214" cy="568152"/>
             <a:chOff x="0" y="0"/>
             <a:chExt cx="6397106" cy="809106"/>
@@ -16899,7 +17197,7 @@
         </p:nvGrpSpPr>
         <p:grpSpPr bwMode="auto">
           <a:xfrm>
-            <a:off x="2232422" y="5098851"/>
+            <a:off x="2232422" y="5109434"/>
             <a:ext cx="4497214" cy="568152"/>
             <a:chOff x="0" y="0"/>
             <a:chExt cx="6397106" cy="809106"/>
@@ -17178,7 +17476,7 @@
         </p:nvSpPr>
         <p:spPr bwMode="auto">
           <a:xfrm>
-            <a:off x="3766096" y="1357312"/>
+            <a:off x="3766096" y="1367895"/>
             <a:ext cx="1598414" cy="383977"/>
           </a:xfrm>
           <a:custGeom>
@@ -17298,7 +17596,7 @@
         </p:nvSpPr>
         <p:spPr bwMode="auto">
           <a:xfrm>
-            <a:off x="3078510" y="3857625"/>
+            <a:off x="3078510" y="3868208"/>
             <a:ext cx="2976935" cy="383977"/>
           </a:xfrm>
           <a:custGeom>
@@ -18264,7 +18562,7 @@
         </p:blipFill>
         <p:spPr bwMode="auto">
           <a:xfrm>
-            <a:off x="283518" y="2118569"/>
+            <a:off x="283518" y="2107986"/>
             <a:ext cx="1154162" cy="1155279"/>
           </a:xfrm>
           <a:prstGeom prst="rect">
@@ -18318,7 +18616,7 @@
         </p:nvSpPr>
         <p:spPr bwMode="auto">
           <a:xfrm>
-            <a:off x="339329" y="3348633"/>
+            <a:off x="339329" y="3338050"/>
             <a:ext cx="1048122" cy="312539"/>
           </a:xfrm>
           <a:custGeom>
@@ -18438,7 +18736,7 @@
         </p:nvGrpSpPr>
         <p:grpSpPr bwMode="auto">
           <a:xfrm>
-            <a:off x="7704088" y="2243584"/>
+            <a:off x="7704088" y="2233001"/>
             <a:ext cx="1154162" cy="1155279"/>
             <a:chOff x="0" y="0"/>
             <a:chExt cx="1642735" cy="1642735"/>
@@ -18589,7 +18887,7 @@
         </p:nvGrpSpPr>
         <p:grpSpPr bwMode="auto">
           <a:xfrm>
-            <a:off x="1848445" y="1866305"/>
+            <a:off x="1848445" y="1855722"/>
             <a:ext cx="5385718" cy="569268"/>
             <a:chOff x="0" y="0"/>
             <a:chExt cx="7661271" cy="810092"/>
@@ -18772,7 +19070,7 @@
                 </a:buClr>
               </a:pPr>
               <a:r>
-                <a:rPr lang="en-US" sz="1500" b="1">
+                <a:rPr lang="en-US" sz="1500" b="1" dirty="0">
                   <a:solidFill>
                     <a:srgbClr val="505050"/>
                   </a:solidFill>
@@ -18783,7 +19081,7 @@
                 <a:t>add</a:t>
               </a:r>
               <a:r>
-                <a:rPr lang="en-US" sz="1500">
+                <a:rPr lang="en-US" sz="1500" dirty="0">
                   <a:solidFill>
                     <a:srgbClr val="505050"/>
                   </a:solidFill>
@@ -18793,7 +19091,7 @@
                 </a:rPr>
                 <a:t>("u::550e8400-e29b-41d4-a716", data)</a:t>
               </a:r>
-              <a:endParaRPr lang="en-US"/>
+              <a:endParaRPr lang="en-US" dirty="0"/>
             </a:p>
           </p:txBody>
         </p:sp>
@@ -18879,7 +19177,7 @@
         </p:nvGrpSpPr>
         <p:grpSpPr bwMode="auto">
           <a:xfrm>
-            <a:off x="1848445" y="2598539"/>
+            <a:off x="1848445" y="2587956"/>
             <a:ext cx="5390183" cy="568152"/>
             <a:chOff x="0" y="0"/>
             <a:chExt cx="7667106" cy="809106"/>
@@ -19210,7 +19508,7 @@
         </p:nvGrpSpPr>
         <p:grpSpPr bwMode="auto">
           <a:xfrm>
-            <a:off x="1848445" y="3312914"/>
+            <a:off x="1848445" y="3302331"/>
             <a:ext cx="5390183" cy="568152"/>
             <a:chOff x="0" y="0"/>
             <a:chExt cx="7667106" cy="809106"/>
@@ -19531,7 +19829,7 @@
         </p:blipFill>
         <p:spPr bwMode="auto">
           <a:xfrm>
-            <a:off x="285750" y="4884539"/>
+            <a:off x="285750" y="4873956"/>
             <a:ext cx="1154162" cy="1154162"/>
           </a:xfrm>
           <a:prstGeom prst="rect">
@@ -19585,7 +19883,7 @@
         </p:nvSpPr>
         <p:spPr bwMode="auto">
           <a:xfrm>
-            <a:off x="339329" y="6107906"/>
+            <a:off x="339329" y="6097323"/>
             <a:ext cx="1048122" cy="312539"/>
           </a:xfrm>
           <a:custGeom>
@@ -19705,7 +20003,7 @@
         </p:nvGrpSpPr>
         <p:grpSpPr bwMode="auto">
           <a:xfrm>
-            <a:off x="7706321" y="4741664"/>
+            <a:off x="7706321" y="4731081"/>
             <a:ext cx="1154162" cy="1154162"/>
             <a:chOff x="0" y="0"/>
             <a:chExt cx="1642735" cy="1642735"/>
@@ -19856,7 +20154,7 @@
         </p:nvGrpSpPr>
         <p:grpSpPr bwMode="auto">
           <a:xfrm>
-            <a:off x="1848445" y="4813101"/>
+            <a:off x="1848445" y="4802518"/>
             <a:ext cx="5390183" cy="568152"/>
             <a:chOff x="0" y="0"/>
             <a:chExt cx="7667106" cy="809106"/>
@@ -20146,7 +20444,7 @@
         </p:nvGrpSpPr>
         <p:grpSpPr bwMode="auto">
           <a:xfrm>
-            <a:off x="1848445" y="5545336"/>
+            <a:off x="1848445" y="5534753"/>
             <a:ext cx="5390183" cy="568152"/>
             <a:chOff x="0" y="0"/>
             <a:chExt cx="7667106" cy="809106"/>
@@ -20458,7 +20756,7 @@
         </p:nvSpPr>
         <p:spPr bwMode="auto">
           <a:xfrm>
-            <a:off x="3766096" y="1357312"/>
+            <a:off x="3766096" y="1346729"/>
             <a:ext cx="1598414" cy="383977"/>
           </a:xfrm>
           <a:custGeom>
@@ -20578,7 +20876,7 @@
         </p:nvSpPr>
         <p:spPr bwMode="auto">
           <a:xfrm>
-            <a:off x="3742656" y="4348758"/>
+            <a:off x="3742656" y="4338175"/>
             <a:ext cx="1648643" cy="383977"/>
           </a:xfrm>
           <a:custGeom>
@@ -47245,7 +47543,55 @@
                 <a:cs typeface="Calibri" charset="0"/>
                 <a:sym typeface="Calibri" charset="0"/>
               </a:rPr>
-              <a:t> </a:t>
+              <a:t> { </a:t>
+            </a:r>
+            <a:r>
+              <a:rPr lang="en-US" sz="1700" dirty="0" err="1">
+                <a:latin typeface="Calibri" charset="0"/>
+                <a:cs typeface="Calibri" charset="0"/>
+                <a:sym typeface="Calibri" charset="0"/>
+              </a:rPr>
+              <a:t>sku</a:t>
+            </a:r>
+            <a:r>
+              <a:rPr lang="en-US" sz="1700" dirty="0">
+                <a:latin typeface="Calibri" charset="0"/>
+                <a:cs typeface="Calibri" charset="0"/>
+                <a:sym typeface="Calibri" charset="0"/>
+              </a:rPr>
+              <a:t>: 0321293533, </a:t>
+            </a:r>
+            <a:r>
+              <a:rPr lang="en-US" sz="1700" dirty="0" err="1">
+                <a:latin typeface="Calibri" charset="0"/>
+                <a:cs typeface="Calibri" charset="0"/>
+                <a:sym typeface="Calibri" charset="0"/>
+              </a:rPr>
+              <a:t>quan</a:t>
+            </a:r>
+            <a:r>
+              <a:rPr lang="en-US" sz="1700" dirty="0">
+                <a:latin typeface="Calibri" charset="0"/>
+                <a:cs typeface="Calibri" charset="0"/>
+                <a:sym typeface="Calibri" charset="0"/>
+              </a:rPr>
+              <a:t>: 3, </a:t>
+            </a:r>
+            <a:r>
+              <a:rPr lang="en-US" sz="1700" dirty="0" err="1">
+                <a:latin typeface="Calibri" charset="0"/>
+                <a:cs typeface="Calibri" charset="0"/>
+                <a:sym typeface="Calibri" charset="0"/>
+              </a:rPr>
+              <a:t>unit_price</a:t>
+            </a:r>
+            <a:r>
+              <a:rPr lang="en-US" sz="1700" dirty="0">
+                <a:latin typeface="Calibri" charset="0"/>
+                <a:cs typeface="Calibri" charset="0"/>
+                <a:sym typeface="Calibri" charset="0"/>
+              </a:rPr>
+              <a:t>: 48.0 }</a:t>
             </a:r>
             <a:r>
               <a:rPr lang="en-US" sz="1700" dirty="0" smtClean="0">
@@ -47253,7 +47599,26 @@
                 <a:cs typeface="Calibri" charset="0"/>
                 <a:sym typeface="Calibri" charset="0"/>
               </a:rPr>
-              <a:t>{ </a:t>
+              <a:t>,</a:t>
+            </a:r>
+          </a:p>
+          <a:p>
+            <a:pPr lvl="1" defTabSz="910796"/>
+            <a:r>
+              <a:rPr lang="en-US" sz="1700" dirty="0">
+                <a:latin typeface="Calibri" charset="0"/>
+                <a:cs typeface="Calibri" charset="0"/>
+                <a:sym typeface="Calibri" charset="0"/>
+              </a:rPr>
+              <a:t> </a:t>
+            </a:r>
+            <a:r>
+              <a:rPr lang="en-US" sz="1700" dirty="0" smtClean="0">
+                <a:latin typeface="Calibri" charset="0"/>
+                <a:cs typeface="Calibri" charset="0"/>
+                <a:sym typeface="Calibri" charset="0"/>
+              </a:rPr>
+              <a:t> { </a:t>
             </a:r>
             <a:r>
               <a:rPr lang="en-US" sz="1700" dirty="0" err="1">
@@ -47269,7 +47634,7 @@
                 <a:cs typeface="Calibri" charset="0"/>
                 <a:sym typeface="Calibri" charset="0"/>
               </a:rPr>
-              <a:t>: 0321293533, </a:t>
+              <a:t>: 0321601912, </a:t>
             </a:r>
             <a:r>
               <a:rPr lang="en-US" sz="1700" dirty="0" err="1">
@@ -47285,7 +47650,7 @@
                 <a:cs typeface="Calibri" charset="0"/>
                 <a:sym typeface="Calibri" charset="0"/>
               </a:rPr>
-              <a:t>: 3, </a:t>
+              <a:t>: 1, </a:t>
             </a:r>
             <a:r>
               <a:rPr lang="en-US" sz="1700" dirty="0" err="1">
@@ -47301,7 +47666,7 @@
                 <a:cs typeface="Calibri" charset="0"/>
                 <a:sym typeface="Calibri" charset="0"/>
               </a:rPr>
-              <a:t>: 48.0 }</a:t>
+              <a:t>: 39.0 }</a:t>
             </a:r>
             <a:r>
               <a:rPr lang="en-US" sz="1700" dirty="0" smtClean="0">
@@ -47328,15 +47693,7 @@
                 <a:cs typeface="Calibri" charset="0"/>
                 <a:sym typeface="Calibri" charset="0"/>
               </a:rPr>
-              <a:t> </a:t>
-            </a:r>
-            <a:r>
-              <a:rPr lang="en-US" sz="1700" dirty="0" smtClean="0">
-                <a:latin typeface="Calibri" charset="0"/>
-                <a:cs typeface="Calibri" charset="0"/>
-                <a:sym typeface="Calibri" charset="0"/>
-              </a:rPr>
-              <a:t>{ </a:t>
+              <a:t> { </a:t>
             </a:r>
             <a:r>
               <a:rPr lang="en-US" sz="1700" dirty="0" err="1">
@@ -47352,7 +47709,7 @@
                 <a:cs typeface="Calibri" charset="0"/>
                 <a:sym typeface="Calibri" charset="0"/>
               </a:rPr>
-              <a:t>: 0321601912, </a:t>
+              <a:t>: 0131495054, </a:t>
             </a:r>
             <a:r>
               <a:rPr lang="en-US" sz="1700" dirty="0" err="1">
@@ -47384,15 +47741,7 @@
                 <a:cs typeface="Calibri" charset="0"/>
                 <a:sym typeface="Calibri" charset="0"/>
               </a:rPr>
-              <a:t>: 39.0 }</a:t>
-            </a:r>
-            <a:r>
-              <a:rPr lang="en-US" sz="1700" dirty="0" smtClean="0">
-                <a:latin typeface="Calibri" charset="0"/>
-                <a:cs typeface="Calibri" charset="0"/>
-                <a:sym typeface="Calibri" charset="0"/>
-              </a:rPr>
-              <a:t>,</a:t>
+              <a:t>: 51.0 } </a:t>
             </a:r>
           </a:p>
           <a:p>
@@ -47403,99 +47752,19 @@
                 <a:cs typeface="Calibri" charset="0"/>
                 <a:sym typeface="Calibri" charset="0"/>
               </a:rPr>
-              <a:t> </a:t>
-            </a:r>
-            <a:r>
-              <a:rPr lang="en-US" sz="1700" dirty="0" smtClean="0">
-                <a:latin typeface="Calibri" charset="0"/>
-                <a:cs typeface="Calibri" charset="0"/>
-                <a:sym typeface="Calibri" charset="0"/>
-              </a:rPr>
-              <a:t> </a:t>
-            </a:r>
-            <a:r>
-              <a:rPr lang="en-US" sz="1700" dirty="0" smtClean="0">
-                <a:latin typeface="Calibri" charset="0"/>
-                <a:cs typeface="Calibri" charset="0"/>
-                <a:sym typeface="Calibri" charset="0"/>
-              </a:rPr>
-              <a:t>{ </a:t>
-            </a:r>
-            <a:r>
-              <a:rPr lang="en-US" sz="1700" dirty="0" err="1">
-                <a:latin typeface="Calibri" charset="0"/>
-                <a:cs typeface="Calibri" charset="0"/>
-                <a:sym typeface="Calibri" charset="0"/>
-              </a:rPr>
-              <a:t>sku</a:t>
-            </a:r>
+              <a:t>],</a:t>
+            </a:r>
+          </a:p>
+          <a:p>
+            <a:pPr lvl="1" defTabSz="910796"/>
             <a:r>
               <a:rPr lang="en-US" sz="1700" dirty="0">
                 <a:latin typeface="Calibri" charset="0"/>
                 <a:cs typeface="Calibri" charset="0"/>
                 <a:sym typeface="Calibri" charset="0"/>
               </a:rPr>
-              <a:t>: 0131495054, </a:t>
-            </a:r>
-            <a:r>
-              <a:rPr lang="en-US" sz="1700" dirty="0" err="1">
-                <a:latin typeface="Calibri" charset="0"/>
-                <a:cs typeface="Calibri" charset="0"/>
-                <a:sym typeface="Calibri" charset="0"/>
-              </a:rPr>
-              <a:t>quan</a:t>
-            </a:r>
-            <a:r>
-              <a:rPr lang="en-US" sz="1700" dirty="0">
-                <a:latin typeface="Calibri" charset="0"/>
-                <a:cs typeface="Calibri" charset="0"/>
-                <a:sym typeface="Calibri" charset="0"/>
-              </a:rPr>
-              <a:t>: 1, </a:t>
-            </a:r>
-            <a:r>
-              <a:rPr lang="en-US" sz="1700" dirty="0" err="1">
-                <a:latin typeface="Calibri" charset="0"/>
-                <a:cs typeface="Calibri" charset="0"/>
-                <a:sym typeface="Calibri" charset="0"/>
-              </a:rPr>
-              <a:t>unit_price</a:t>
-            </a:r>
-            <a:r>
-              <a:rPr lang="en-US" sz="1700" dirty="0">
-                <a:latin typeface="Calibri" charset="0"/>
-                <a:cs typeface="Calibri" charset="0"/>
-                <a:sym typeface="Calibri" charset="0"/>
-              </a:rPr>
-              <a:t>: 51.0 } </a:t>
-            </a:r>
-          </a:p>
-          <a:p>
-            <a:pPr lvl="1" defTabSz="910796"/>
-            <a:r>
-              <a:rPr lang="en-US" sz="1700" dirty="0">
-                <a:latin typeface="Calibri" charset="0"/>
-                <a:cs typeface="Calibri" charset="0"/>
-                <a:sym typeface="Calibri" charset="0"/>
-              </a:rPr>
-              <a:t>],</a:t>
-            </a:r>
-          </a:p>
-          <a:p>
-            <a:pPr lvl="1" defTabSz="910796"/>
-            <a:r>
-              <a:rPr lang="en-US" sz="1700" dirty="0">
-                <a:latin typeface="Calibri" charset="0"/>
-                <a:cs typeface="Calibri" charset="0"/>
-                <a:sym typeface="Calibri" charset="0"/>
-              </a:rPr>
               <a:t>payment: { </a:t>
             </a:r>
-            <a:endParaRPr lang="en-US" sz="1700" dirty="0">
-              <a:latin typeface="Calibri" charset="0"/>
-              <a:cs typeface="Calibri" charset="0"/>
-              <a:sym typeface="Calibri" charset="0"/>
-            </a:endParaRPr>
           </a:p>
           <a:p>
             <a:pPr lvl="1" defTabSz="910796"/>
@@ -47537,15 +47806,7 @@
                 <a:cs typeface="Calibri" charset="0"/>
                 <a:sym typeface="Calibri" charset="0"/>
               </a:rPr>
-              <a:t> </a:t>
-            </a:r>
-            <a:r>
-              <a:rPr lang="en-US" sz="1700" dirty="0" smtClean="0">
-                <a:latin typeface="Calibri" charset="0"/>
-                <a:cs typeface="Calibri" charset="0"/>
-                <a:sym typeface="Calibri" charset="0"/>
-              </a:rPr>
-              <a:t>expiry</a:t>
+              <a:t> expiry</a:t>
             </a:r>
             <a:r>
               <a:rPr lang="en-US" sz="1700" dirty="0">
@@ -47577,15 +47838,7 @@
                 <a:cs typeface="Calibri" charset="0"/>
                 <a:sym typeface="Calibri" charset="0"/>
               </a:rPr>
-              <a:t> </a:t>
-            </a:r>
-            <a:r>
-              <a:rPr lang="en-US" sz="1700" dirty="0" smtClean="0">
-                <a:latin typeface="Calibri" charset="0"/>
-                <a:cs typeface="Calibri" charset="0"/>
-                <a:sym typeface="Calibri" charset="0"/>
-              </a:rPr>
-              <a:t>last5</a:t>
+              <a:t> last5</a:t>
             </a:r>
             <a:r>
               <a:rPr lang="en-US" sz="1700" dirty="0">
